--- a/Clase00/Clase 0. Presentación del curso Full Stack Java_23047.pptx
+++ b/Clase00/Clase 0. Presentación del curso Full Stack Java_23047.pptx
@@ -40,21 +40,21 @@
   <p:notesSz cx="6858000" cy="9144000"/>
   <p:embeddedFontLst>
     <p:embeddedFont>
-      <p:font typeface="Montserrat Medium" panose="020B0604020202020204" charset="0"/>
+      <p:font typeface="Montserrat" panose="020B0604020202020204" charset="0"/>
       <p:regular r:id="rId30"/>
       <p:bold r:id="rId31"/>
       <p:italic r:id="rId32"/>
       <p:boldItalic r:id="rId33"/>
     </p:embeddedFont>
     <p:embeddedFont>
-      <p:font typeface="Montserrat SemiBold" panose="020B0604020202020204" charset="0"/>
+      <p:font typeface="Montserrat Medium" panose="020B0604020202020204" charset="0"/>
       <p:regular r:id="rId34"/>
       <p:bold r:id="rId35"/>
       <p:italic r:id="rId36"/>
       <p:boldItalic r:id="rId37"/>
     </p:embeddedFont>
     <p:embeddedFont>
-      <p:font typeface="Montserrat" panose="020B0604020202020204" charset="0"/>
+      <p:font typeface="Montserrat SemiBold" panose="020B0604020202020204" charset="0"/>
       <p:regular r:id="rId38"/>
       <p:bold r:id="rId39"/>
       <p:italic r:id="rId40"/>
@@ -16281,10 +16281,10 @@
               <a:buChar char="●"/>
             </a:pPr>
             <a:r>
-              <a:rPr lang="es"/>
+              <a:rPr lang="es" dirty="0"/>
               <a:t>Valorar la vacante</a:t>
             </a:r>
-            <a:endParaRPr/>
+            <a:endParaRPr dirty="0"/>
           </a:p>
           <a:p>
             <a:pPr marL="457200" lvl="0" indent="-334327" algn="l" rtl="0">
@@ -16301,10 +16301,10 @@
               <a:buChar char="●"/>
             </a:pPr>
             <a:r>
-              <a:rPr lang="es"/>
+              <a:rPr lang="es" dirty="0"/>
               <a:t>Contenidos de calidad</a:t>
             </a:r>
-            <a:endParaRPr/>
+            <a:endParaRPr dirty="0"/>
           </a:p>
           <a:p>
             <a:pPr marL="457200" lvl="0" indent="-334327" algn="l" rtl="0">
@@ -16321,11 +16321,11 @@
               <a:buChar char="●"/>
             </a:pPr>
             <a:r>
-              <a:rPr lang="es"/>
+              <a:rPr lang="es" dirty="0"/>
               <a:t>Gratuidad del curso: un curso equivalente de </a:t>
             </a:r>
             <a:r>
-              <a:rPr lang="es" b="1">
+              <a:rPr lang="es" b="1" dirty="0">
                 <a:solidFill>
                   <a:srgbClr val="7685E6"/>
                 </a:solidFill>
@@ -16333,11 +16333,11 @@
               <a:t>Programación Full Stack </a:t>
             </a:r>
             <a:r>
-              <a:rPr lang="es"/>
+              <a:rPr lang="es" dirty="0"/>
               <a:t>está costando actualmente </a:t>
             </a:r>
             <a:r>
-              <a:rPr lang="es" b="1">
+              <a:rPr lang="es" b="1" dirty="0">
                 <a:solidFill>
                   <a:srgbClr val="7685E6"/>
                 </a:solidFill>
@@ -16345,10 +16345,10 @@
               <a:t>$200.000</a:t>
             </a:r>
             <a:r>
-              <a:rPr lang="es"/>
+              <a:rPr lang="es" dirty="0"/>
               <a:t> (valores aproximados a marzo de 2022).</a:t>
             </a:r>
-            <a:endParaRPr/>
+            <a:endParaRPr dirty="0"/>
           </a:p>
           <a:p>
             <a:pPr marL="457200" lvl="0" indent="-334327" algn="l" rtl="0">
@@ -16365,10 +16365,10 @@
               <a:buChar char="●"/>
             </a:pPr>
             <a:r>
-              <a:rPr lang="es"/>
+              <a:rPr lang="es" dirty="0"/>
               <a:t>Valoren el lugar que están ocupando. Hay mucha gente que quiere participar y quedó fuera (más de 110 mil inscriptos en 2022). Si no van a poder cursar avisen lo antes posible para darle posibilidad a otros. </a:t>
             </a:r>
-            <a:endParaRPr/>
+            <a:endParaRPr dirty="0"/>
           </a:p>
           <a:p>
             <a:pPr marL="914400" lvl="1" indent="-310832" algn="l" rtl="0">
@@ -16385,10 +16385,10 @@
               <a:buChar char="○"/>
             </a:pPr>
             <a:r>
-              <a:rPr lang="es"/>
+              <a:rPr lang="es" dirty="0"/>
               <a:t>Si les surgen imponderables y se les complica cursar, también comuníquenlo para ayudarlos a buscar una solución.</a:t>
             </a:r>
-            <a:endParaRPr/>
+            <a:endParaRPr dirty="0"/>
           </a:p>
           <a:p>
             <a:pPr marL="0" lvl="0" indent="0" algn="l" rtl="0">
@@ -16404,7 +16404,7 @@
               <a:buSzPts val="1800"/>
               <a:buNone/>
             </a:pPr>
-            <a:endParaRPr/>
+            <a:endParaRPr dirty="0"/>
           </a:p>
         </p:txBody>
       </p:sp>
@@ -16628,10 +16628,10 @@
               <a:buNone/>
             </a:pPr>
             <a:r>
-              <a:rPr lang="es"/>
+              <a:rPr lang="es" dirty="0"/>
               <a:t>Se otorga una constancia de participación en el programa.</a:t>
             </a:r>
-            <a:endParaRPr/>
+            <a:endParaRPr dirty="0"/>
           </a:p>
           <a:p>
             <a:pPr marL="0" lvl="0" indent="0" algn="l" rtl="0">
@@ -16648,10 +16648,10 @@
               <a:buNone/>
             </a:pPr>
             <a:r>
-              <a:rPr lang="es" b="1"/>
+              <a:rPr lang="es" b="1" dirty="0"/>
               <a:t>Requisitos para obtener el diploma:</a:t>
             </a:r>
-            <a:endParaRPr b="1"/>
+            <a:endParaRPr b="1" dirty="0"/>
           </a:p>
           <a:p>
             <a:pPr marL="457200" lvl="0" indent="-342900" algn="l" rtl="0">
@@ -16668,10 +16668,10 @@
               <a:buChar char="●"/>
             </a:pPr>
             <a:r>
-              <a:rPr lang="es"/>
+              <a:rPr lang="es" dirty="0"/>
               <a:t>Asistir al 75% de las clases en vivo (sincrónicas)</a:t>
             </a:r>
-            <a:endParaRPr/>
+            <a:endParaRPr dirty="0"/>
           </a:p>
           <a:p>
             <a:pPr marL="457200" lvl="0" indent="-342900" algn="l" rtl="0">
@@ -16688,10 +16688,10 @@
               <a:buChar char="●"/>
             </a:pPr>
             <a:r>
-              <a:rPr lang="es"/>
+              <a:rPr lang="es" dirty="0"/>
               <a:t>Acceder semanalmente al Aula Virtual</a:t>
             </a:r>
-            <a:endParaRPr/>
+            <a:endParaRPr dirty="0"/>
           </a:p>
           <a:p>
             <a:pPr marL="457200" lvl="0" indent="-342900" algn="l" rtl="0">
@@ -16708,10 +16708,10 @@
               <a:buChar char="●"/>
             </a:pPr>
             <a:r>
-              <a:rPr lang="es"/>
+              <a:rPr lang="es" dirty="0"/>
               <a:t>Realizar los ejercicios obligatorios semanales</a:t>
             </a:r>
-            <a:endParaRPr/>
+            <a:endParaRPr dirty="0"/>
           </a:p>
           <a:p>
             <a:pPr marL="457200" lvl="0" indent="-342900" algn="l" rtl="0">
@@ -16729,10 +16729,10 @@
               <a:buChar char="●"/>
             </a:pPr>
             <a:r>
-              <a:rPr lang="es"/>
+              <a:rPr lang="es" dirty="0"/>
               <a:t>Realizar el curso de Habilidades Blandas (Accenture)</a:t>
             </a:r>
-            <a:endParaRPr/>
+            <a:endParaRPr dirty="0"/>
           </a:p>
           <a:p>
             <a:pPr marL="457200" lvl="0" indent="-342900" algn="l" rtl="0">
@@ -16749,10 +16749,10 @@
               <a:buChar char="●"/>
             </a:pPr>
             <a:r>
-              <a:rPr lang="es"/>
+              <a:rPr lang="es" dirty="0"/>
               <a:t>Aprobar el EFI (Examen Final Integrador)</a:t>
             </a:r>
-            <a:endParaRPr/>
+            <a:endParaRPr dirty="0"/>
           </a:p>
           <a:p>
             <a:pPr marL="0" lvl="0" indent="0" algn="l" rtl="0">
@@ -16768,7 +16768,7 @@
               <a:buSzPts val="1800"/>
               <a:buNone/>
             </a:pPr>
-            <a:endParaRPr/>
+            <a:endParaRPr dirty="0"/>
           </a:p>
         </p:txBody>
       </p:sp>
@@ -18328,10 +18328,10 @@
               <a:buNone/>
             </a:pPr>
             <a:r>
-              <a:rPr lang="es"/>
+              <a:rPr lang="es" dirty="0"/>
               <a:t>Datos importantes</a:t>
             </a:r>
-            <a:endParaRPr/>
+            <a:endParaRPr dirty="0"/>
           </a:p>
         </p:txBody>
       </p:sp>
@@ -18439,7 +18439,31 @@
                   <a:srgbClr val="FF0000"/>
                 </a:solidFill>
               </a:rPr>
-              <a:t>Lunes y Jueves de 17:00hs a 18:30hs</a:t>
+              <a:t>Lunes </a:t>
+            </a:r>
+            <a:r>
+              <a:rPr lang="es-AR" b="1" smtClean="0">
+                <a:solidFill>
+                  <a:srgbClr val="FF0000"/>
+                </a:solidFill>
+              </a:rPr>
+              <a:t>y </a:t>
+            </a:r>
+            <a:r>
+              <a:rPr lang="es-AR" b="1" smtClean="0">
+                <a:solidFill>
+                  <a:srgbClr val="FF0000"/>
+                </a:solidFill>
+              </a:rPr>
+              <a:t>Jueves </a:t>
+            </a:r>
+            <a:r>
+              <a:rPr lang="es-AR" b="1" dirty="0" smtClean="0">
+                <a:solidFill>
+                  <a:srgbClr val="FF0000"/>
+                </a:solidFill>
+              </a:rPr>
+              <a:t>de 17:00hs a 18:30hs</a:t>
             </a:r>
             <a:endParaRPr b="1" dirty="0">
               <a:solidFill>
@@ -20385,7 +20409,7 @@
               <a:rPr lang="es"/>
               <a:t>Clase 00</a:t>
             </a:r>
-            <a:endParaRPr/>
+            <a:endParaRPr dirty="0"/>
           </a:p>
         </p:txBody>
       </p:sp>
@@ -20902,14 +20926,14 @@
               <a:buChar char="●"/>
             </a:pPr>
             <a:r>
-              <a:rPr lang="es" b="1">
+              <a:rPr lang="es" b="1" dirty="0">
                 <a:solidFill>
                   <a:schemeClr val="dk1"/>
                 </a:solidFill>
               </a:rPr>
               <a:t>Full Stack Python</a:t>
             </a:r>
-            <a:endParaRPr b="1">
+            <a:endParaRPr b="1" dirty="0">
               <a:solidFill>
                 <a:schemeClr val="dk1"/>
               </a:solidFill>
@@ -20930,10 +20954,10 @@
               <a:buChar char="●"/>
             </a:pPr>
             <a:r>
-              <a:rPr lang="es"/>
+              <a:rPr lang="es" dirty="0"/>
               <a:t>Full Stack Java</a:t>
             </a:r>
-            <a:endParaRPr/>
+            <a:endParaRPr dirty="0"/>
           </a:p>
           <a:p>
             <a:pPr marL="457200" lvl="0" indent="-342900" algn="l" rtl="0">
@@ -20950,10 +20974,10 @@
               <a:buChar char="●"/>
             </a:pPr>
             <a:r>
-              <a:rPr lang="es" b="1"/>
+              <a:rPr lang="es" b="1" dirty="0"/>
               <a:t>Full Stack Node.js</a:t>
             </a:r>
-            <a:endParaRPr b="1"/>
+            <a:endParaRPr b="1" dirty="0"/>
           </a:p>
           <a:p>
             <a:pPr marL="457200" lvl="0" indent="-342900" algn="l" rtl="0">
@@ -20970,10 +20994,10 @@
               <a:buChar char="●"/>
             </a:pPr>
             <a:r>
-              <a:rPr lang="es"/>
+              <a:rPr lang="es" dirty="0"/>
               <a:t>Full Stack PHP</a:t>
             </a:r>
-            <a:endParaRPr/>
+            <a:endParaRPr dirty="0"/>
           </a:p>
           <a:p>
             <a:pPr marL="457200" lvl="0" indent="-342900" algn="l" rtl="0">
@@ -20990,10 +21014,10 @@
               <a:buChar char="●"/>
             </a:pPr>
             <a:r>
-              <a:rPr lang="es" b="1"/>
+              <a:rPr lang="es" b="1" dirty="0"/>
               <a:t>Diseño UX/UI</a:t>
             </a:r>
-            <a:endParaRPr b="1"/>
+            <a:endParaRPr b="1" dirty="0"/>
           </a:p>
           <a:p>
             <a:pPr marL="457200" lvl="0" indent="-342900" algn="l" rtl="0">
@@ -21010,10 +21034,10 @@
               <a:buChar char="●"/>
             </a:pPr>
             <a:r>
-              <a:rPr lang="es"/>
+              <a:rPr lang="es" dirty="0"/>
               <a:t>Testing &amp; QA</a:t>
             </a:r>
-            <a:endParaRPr b="1">
+            <a:endParaRPr b="1" dirty="0">
               <a:solidFill>
                 <a:srgbClr val="7685E6"/>
               </a:solidFill>
@@ -21034,10 +21058,10 @@
               <a:buChar char="●"/>
             </a:pPr>
             <a:r>
-              <a:rPr lang="es" b="1"/>
+              <a:rPr lang="es" b="1" dirty="0"/>
               <a:t>Big Data/Ciencia de Datos</a:t>
             </a:r>
-            <a:endParaRPr b="1"/>
+            <a:endParaRPr b="1" dirty="0"/>
           </a:p>
           <a:p>
             <a:pPr marL="0" lvl="0" indent="0" algn="l" rtl="0">
@@ -21054,26 +21078,26 @@
               <a:buNone/>
             </a:pPr>
             <a:r>
-              <a:rPr lang="es"/>
+              <a:rPr lang="es" dirty="0"/>
               <a:t>Los cursos son </a:t>
             </a:r>
             <a:r>
-              <a:rPr lang="es" b="1"/>
+              <a:rPr lang="es" b="1" dirty="0"/>
               <a:t>gratuitos</a:t>
             </a:r>
             <a:r>
-              <a:rPr lang="es"/>
+              <a:rPr lang="es" dirty="0"/>
               <a:t> y tienen una duración de </a:t>
             </a:r>
             <a:r>
-              <a:rPr lang="es" b="1"/>
+              <a:rPr lang="es" b="1" dirty="0"/>
               <a:t>20 semanas</a:t>
             </a:r>
             <a:r>
-              <a:rPr lang="es"/>
+              <a:rPr lang="es" dirty="0"/>
               <a:t>.</a:t>
             </a:r>
-            <a:endParaRPr/>
+            <a:endParaRPr dirty="0"/>
           </a:p>
         </p:txBody>
       </p:sp>
@@ -21199,10 +21223,10 @@
               <a:buNone/>
             </a:pPr>
             <a:r>
-              <a:rPr lang="es" b="1"/>
+              <a:rPr lang="es" b="1" dirty="0"/>
               <a:t>Programación Inicial:</a:t>
             </a:r>
-            <a:endParaRPr b="1"/>
+            <a:endParaRPr b="1" dirty="0"/>
           </a:p>
           <a:p>
             <a:pPr marL="457200" lvl="0" indent="-317500" algn="l" rtl="0">
@@ -21219,10 +21243,10 @@
               <a:buChar char="●"/>
             </a:pPr>
             <a:r>
-              <a:rPr lang="es"/>
+              <a:rPr lang="es" dirty="0"/>
               <a:t>Codo a Codo Inicial</a:t>
             </a:r>
-            <a:endParaRPr/>
+            <a:endParaRPr dirty="0"/>
           </a:p>
           <a:p>
             <a:pPr marL="0" lvl="0" indent="0" algn="l" rtl="0">
@@ -21239,10 +21263,10 @@
               <a:buNone/>
             </a:pPr>
             <a:r>
-              <a:rPr lang="es" sz="1300" b="1"/>
+              <a:rPr lang="es" sz="1300" b="1" dirty="0"/>
               <a:t>Cursos avanzados exclusivo para egresados Full Stack:</a:t>
             </a:r>
-            <a:endParaRPr sz="1300" b="1"/>
+            <a:endParaRPr sz="1300" b="1" dirty="0"/>
           </a:p>
           <a:p>
             <a:pPr marL="457200" lvl="0" indent="-317500" algn="l" rtl="0">
@@ -21259,10 +21283,10 @@
               <a:buChar char="●"/>
             </a:pPr>
             <a:r>
-              <a:rPr lang="es"/>
+              <a:rPr lang="es" dirty="0"/>
               <a:t>Spring</a:t>
             </a:r>
-            <a:endParaRPr/>
+            <a:endParaRPr dirty="0"/>
           </a:p>
           <a:p>
             <a:pPr marL="457200" lvl="0" indent="-317500" algn="l" rtl="0">
@@ -21279,10 +21303,10 @@
               <a:buChar char="●"/>
             </a:pPr>
             <a:r>
-              <a:rPr lang="es"/>
+              <a:rPr lang="es" dirty="0"/>
               <a:t>Django</a:t>
             </a:r>
-            <a:endParaRPr/>
+            <a:endParaRPr dirty="0"/>
           </a:p>
           <a:p>
             <a:pPr marL="457200" lvl="0" indent="-317500" algn="l" rtl="0">
@@ -21299,10 +21323,10 @@
               <a:buChar char="●"/>
             </a:pPr>
             <a:r>
-              <a:rPr lang="es"/>
+              <a:rPr lang="es" dirty="0"/>
               <a:t>React</a:t>
             </a:r>
-            <a:endParaRPr/>
+            <a:endParaRPr dirty="0"/>
           </a:p>
           <a:p>
             <a:pPr marL="457200" lvl="0" indent="-317500" algn="l" rtl="0">
@@ -21319,10 +21343,10 @@
               <a:buChar char="●"/>
             </a:pPr>
             <a:r>
-              <a:rPr lang="es"/>
+              <a:rPr lang="es" dirty="0"/>
               <a:t>Unity</a:t>
             </a:r>
-            <a:endParaRPr/>
+            <a:endParaRPr dirty="0"/>
           </a:p>
           <a:p>
             <a:pPr marL="0" lvl="0" indent="0" algn="l" rtl="0">
@@ -21338,7 +21362,7 @@
               <a:buSzPts val="1400"/>
               <a:buNone/>
             </a:pPr>
-            <a:endParaRPr b="1"/>
+            <a:endParaRPr b="1" dirty="0"/>
           </a:p>
           <a:p>
             <a:pPr marL="0" lvl="0" indent="0" algn="l" rtl="0">
@@ -21355,10 +21379,10 @@
               <a:buNone/>
             </a:pPr>
             <a:r>
-              <a:rPr lang="es" b="1"/>
+              <a:rPr lang="es" b="1" dirty="0"/>
               <a:t>Animate a hacer carrera en Codo</a:t>
             </a:r>
-            <a:endParaRPr b="1"/>
+            <a:endParaRPr b="1" dirty="0"/>
           </a:p>
         </p:txBody>
       </p:sp>
@@ -21726,10 +21750,10 @@
               <a:buNone/>
             </a:pPr>
             <a:r>
-              <a:rPr lang="es" b="1"/>
+              <a:rPr lang="es" b="1" dirty="0"/>
               <a:t>Requisitos</a:t>
             </a:r>
-            <a:endParaRPr b="1"/>
+            <a:endParaRPr b="1" dirty="0"/>
           </a:p>
           <a:p>
             <a:pPr marL="457200" lvl="0" indent="-317500" algn="l" rtl="0">
@@ -21746,10 +21770,10 @@
               <a:buChar char="●"/>
             </a:pPr>
             <a:r>
-              <a:rPr lang="es"/>
+              <a:rPr lang="es" dirty="0"/>
               <a:t>Nivel inicial en programación</a:t>
             </a:r>
-            <a:endParaRPr/>
+            <a:endParaRPr dirty="0"/>
           </a:p>
           <a:p>
             <a:pPr marL="457200" lvl="0" indent="-317500" algn="l" rtl="0">
@@ -21766,10 +21790,10 @@
               <a:buChar char="●"/>
             </a:pPr>
             <a:r>
-              <a:rPr lang="es"/>
+              <a:rPr lang="es" dirty="0"/>
               <a:t>Nivel básico de inglés</a:t>
             </a:r>
-            <a:endParaRPr/>
+            <a:endParaRPr dirty="0"/>
           </a:p>
           <a:p>
             <a:pPr marL="457200" lvl="0" indent="-317500" algn="l" rtl="0">
@@ -21786,10 +21810,10 @@
               <a:buChar char="●"/>
             </a:pPr>
             <a:r>
-              <a:rPr lang="es"/>
+              <a:rPr lang="es" dirty="0"/>
               <a:t>Mayor de 18 años</a:t>
             </a:r>
-            <a:endParaRPr/>
+            <a:endParaRPr dirty="0"/>
           </a:p>
           <a:p>
             <a:pPr marL="457200" lvl="0" indent="-317500" algn="l" rtl="0">
@@ -21806,10 +21830,10 @@
               <a:buChar char="●"/>
             </a:pPr>
             <a:r>
-              <a:rPr lang="es"/>
+              <a:rPr lang="es" dirty="0"/>
               <a:t>Título secundario (se pedira documentación)</a:t>
             </a:r>
-            <a:endParaRPr/>
+            <a:endParaRPr dirty="0"/>
           </a:p>
           <a:p>
             <a:pPr marL="139700" lvl="0" indent="0" algn="l" rtl="0">
@@ -21825,7 +21849,7 @@
               <a:buSzPts val="1400"/>
               <a:buNone/>
             </a:pPr>
-            <a:endParaRPr/>
+            <a:endParaRPr dirty="0"/>
           </a:p>
         </p:txBody>
       </p:sp>
